--- a/LSL/AIM/Lanka Sathosa - Oracle E Business Suit 12.2.7 Integrations to PBSA POS.pptx
+++ b/LSL/AIM/Lanka Sathosa - Oracle E Business Suit 12.2.7 Integrations to PBSA POS.pptx
@@ -235,7 +235,7 @@
             <a:fld id="{1E821AA6-70BE-4FDE-A8DC-DB381A688FD8}" type="datetimeFigureOut">
               <a:rPr lang="en-US"/>
               <a:pPr/>
-              <a:t>9/23/2018</a:t>
+              <a:t>9/27/2018</a:t>
             </a:fld>
             <a:endParaRPr dirty="0"/>
           </a:p>
@@ -1856,7 +1856,7 @@
             <a:fld id="{5B718EDA-03FA-48AB-920D-7933B9F49E21}" type="datetime1">
               <a:rPr lang="en-US" smtClean="0"/>
               <a:pPr/>
-              <a:t>9/23/2018</a:t>
+              <a:t>9/27/2018</a:t>
             </a:fld>
             <a:endParaRPr dirty="0"/>
           </a:p>
@@ -2492,7 +2492,7 @@
             <a:fld id="{BB9EC22A-55D2-4020-B7C5-EADD2A384059}" type="datetime1">
               <a:rPr lang="en-US" smtClean="0"/>
               <a:pPr/>
-              <a:t>9/23/2018</a:t>
+              <a:t>9/27/2018</a:t>
             </a:fld>
             <a:endParaRPr dirty="0"/>
           </a:p>
@@ -2877,7 +2877,7 @@
             <a:fld id="{A478242B-124C-463E-A0A4-FC9259A97C44}" type="datetime1">
               <a:rPr lang="en-US" smtClean="0"/>
               <a:pPr/>
-              <a:t>9/23/2018</a:t>
+              <a:t>9/27/2018</a:t>
             </a:fld>
             <a:endParaRPr dirty="0"/>
           </a:p>
@@ -3020,7 +3020,7 @@
             <a:fld id="{59CA900C-8353-43D6-B94D-598532F4915D}" type="datetime1">
               <a:rPr lang="en-US" smtClean="0"/>
               <a:pPr/>
-              <a:t>9/23/2018</a:t>
+              <a:t>9/27/2018</a:t>
             </a:fld>
             <a:endParaRPr lang="en-US" dirty="0"/>
           </a:p>
@@ -3363,7 +3363,7 @@
             <a:fld id="{4C7F30E4-792E-4FAB-A69A-AA0DDC9B505F}" type="datetime1">
               <a:rPr lang="en-US" smtClean="0"/>
               <a:pPr/>
-              <a:t>9/23/2018</a:t>
+              <a:t>9/27/2018</a:t>
             </a:fld>
             <a:endParaRPr dirty="0"/>
           </a:p>
@@ -3630,7 +3630,7 @@
             <a:fld id="{2E37C48D-E1E7-4537-9191-ADC6AC2F1815}" type="datetime1">
               <a:rPr lang="en-US" smtClean="0"/>
               <a:pPr/>
-              <a:t>9/23/2018</a:t>
+              <a:t>9/27/2018</a:t>
             </a:fld>
             <a:endParaRPr dirty="0"/>
           </a:p>
@@ -3985,7 +3985,7 @@
             <a:fld id="{91A79971-62D6-4992-97BF-5D246D3569EB}" type="datetime1">
               <a:rPr lang="en-US" smtClean="0"/>
               <a:pPr/>
-              <a:t>9/23/2018</a:t>
+              <a:t>9/27/2018</a:t>
             </a:fld>
             <a:endParaRPr dirty="0"/>
           </a:p>
@@ -4463,7 +4463,7 @@
             <a:fld id="{A2AFB543-FA83-460A-83FB-4118BFD0877B}" type="datetime1">
               <a:rPr lang="en-US" smtClean="0"/>
               <a:pPr/>
-              <a:t>9/23/2018</a:t>
+              <a:t>9/27/2018</a:t>
             </a:fld>
             <a:endParaRPr dirty="0"/>
           </a:p>
@@ -4757,7 +4757,7 @@
             <a:fld id="{B04E160C-F8F6-4C55-A458-43044F70E58C}" type="datetime1">
               <a:rPr lang="en-US" smtClean="0"/>
               <a:pPr/>
-              <a:t>9/23/2018</a:t>
+              <a:t>9/27/2018</a:t>
             </a:fld>
             <a:endParaRPr dirty="0"/>
           </a:p>
@@ -5617,7 +5617,7 @@
             <a:fld id="{76FE949D-BC59-45C7-997A-14E28EE435C6}" type="datetime1">
               <a:rPr lang="en-US" smtClean="0"/>
               <a:pPr/>
-              <a:t>9/23/2018</a:t>
+              <a:t>9/27/2018</a:t>
             </a:fld>
             <a:endParaRPr dirty="0"/>
           </a:p>
@@ -5876,7 +5876,7 @@
             <a:fld id="{AB7E71B6-75D8-4D35-9845-ED6EDFAB5B65}" type="datetime1">
               <a:rPr lang="en-US" smtClean="0"/>
               <a:pPr/>
-              <a:t>9/23/2018</a:t>
+              <a:t>9/27/2018</a:t>
             </a:fld>
             <a:endParaRPr dirty="0"/>
           </a:p>
@@ -6161,7 +6161,7 @@
             <a:fld id="{EC7B1103-610B-434D-B60D-A6000664E4C3}" type="datetime1">
               <a:rPr lang="en-US" smtClean="0"/>
               <a:pPr/>
-              <a:t>9/23/2018</a:t>
+              <a:t>9/27/2018</a:t>
             </a:fld>
             <a:endParaRPr dirty="0"/>
           </a:p>
@@ -6729,7 +6729,7 @@
             <a:fld id="{7FCCB0DF-E397-45DA-B3CD-4E39C3ABEEDE}" type="datetime1">
               <a:rPr lang="en-US" smtClean="0"/>
               <a:pPr/>
-              <a:t>9/23/2018</a:t>
+              <a:t>9/27/2018</a:t>
             </a:fld>
             <a:endParaRPr dirty="0"/>
           </a:p>
@@ -6876,7 +6876,7 @@
             <a:fld id="{F6C2332A-6035-4535-BAC4-FD72BBD35BD5}" type="datetime1">
               <a:rPr lang="en-US" smtClean="0"/>
               <a:pPr/>
-              <a:t>9/23/2018</a:t>
+              <a:t>9/27/2018</a:t>
             </a:fld>
             <a:endParaRPr dirty="0"/>
           </a:p>
@@ -7098,7 +7098,7 @@
             <a:fld id="{F0C5D9DE-6A12-48B4-8157-AA087FBA8015}" type="datetime1">
               <a:rPr lang="en-US" smtClean="0"/>
               <a:pPr/>
-              <a:t>9/23/2018</a:t>
+              <a:t>9/27/2018</a:t>
             </a:fld>
             <a:endParaRPr dirty="0"/>
           </a:p>
@@ -7218,7 +7218,7 @@
             <a:fld id="{451A3DE7-7836-4A48-A04A-66B40194FF41}" type="datetime1">
               <a:rPr lang="en-US" smtClean="0"/>
               <a:pPr/>
-              <a:t>9/23/2018</a:t>
+              <a:t>9/27/2018</a:t>
             </a:fld>
             <a:endParaRPr dirty="0"/>
           </a:p>
@@ -7517,7 +7517,7 @@
             <a:fld id="{3739EF9E-A7C6-4808-8AFB-AC6B52F83A3B}" type="datetime1">
               <a:rPr lang="en-US" smtClean="0"/>
               <a:pPr/>
-              <a:t>9/23/2018</a:t>
+              <a:t>9/27/2018</a:t>
             </a:fld>
             <a:endParaRPr dirty="0"/>
           </a:p>
@@ -7799,7 +7799,7 @@
             <a:fld id="{217F0131-B903-456D-8D69-D853BB286F3F}" type="datetime1">
               <a:rPr lang="en-US" smtClean="0"/>
               <a:pPr/>
-              <a:t>9/23/2018</a:t>
+              <a:t>9/27/2018</a:t>
             </a:fld>
             <a:endParaRPr dirty="0"/>
           </a:p>
@@ -8254,7 +8254,7 @@
             <a:fld id="{20375F48-3897-4458-A949-18AAEA8A929B}" type="datetime1">
               <a:rPr lang="en-US" smtClean="0"/>
               <a:pPr/>
-              <a:t>9/23/2018</a:t>
+              <a:t>9/27/2018</a:t>
             </a:fld>
             <a:endParaRPr dirty="0"/>
           </a:p>
@@ -8882,7 +8882,7 @@
             <a:fld id="{4D60BBB1-229F-44BC-9C8A-436B703181DD}" type="datetime1">
               <a:rPr lang="en-US" smtClean="0"/>
               <a:pPr/>
-              <a:t>9/23/2018</a:t>
+              <a:t>9/27/2018</a:t>
             </a:fld>
             <a:endParaRPr dirty="0"/>
           </a:p>
@@ -9130,7 +9130,7 @@
             <a:fld id="{7E2A05B1-59AC-45DE-AC8F-3468E7D0EDC5}" type="datetime1">
               <a:rPr lang="en-US" smtClean="0"/>
               <a:pPr/>
-              <a:t>9/23/2018</a:t>
+              <a:t>9/27/2018</a:t>
             </a:fld>
             <a:endParaRPr dirty="0"/>
           </a:p>
@@ -9596,7 +9596,7 @@
             <a:fld id="{FD3BE420-3884-4C99-8592-9DC1A7A21589}" type="datetime1">
               <a:rPr lang="en-US" smtClean="0"/>
               <a:pPr/>
-              <a:t>9/23/2018</a:t>
+              <a:t>9/27/2018</a:t>
             </a:fld>
             <a:endParaRPr dirty="0"/>
           </a:p>
@@ -10035,7 +10035,7 @@
             <a:fld id="{EB57CADF-F4C7-45EC-8675-1B1240AACE67}" type="datetime1">
               <a:rPr lang="en-US" smtClean="0"/>
               <a:pPr/>
-              <a:t>9/23/2018</a:t>
+              <a:t>9/27/2018</a:t>
             </a:fld>
             <a:endParaRPr dirty="0"/>
           </a:p>
@@ -10257,7 +10257,7 @@
             <a:fld id="{48F663F1-F097-4709-A50E-5EC80F99F9C1}" type="datetime1">
               <a:rPr lang="en-US" smtClean="0"/>
               <a:pPr/>
-              <a:t>9/23/2018</a:t>
+              <a:t>9/27/2018</a:t>
             </a:fld>
             <a:endParaRPr dirty="0"/>
           </a:p>
@@ -10621,7 +10621,7 @@
             <a:fld id="{2EB3EB7A-2423-492A-A0B8-6890746ED067}" type="datetime1">
               <a:rPr lang="en-US" smtClean="0"/>
               <a:pPr/>
-              <a:t>9/23/2018</a:t>
+              <a:t>9/27/2018</a:t>
             </a:fld>
             <a:endParaRPr dirty="0"/>
           </a:p>
@@ -11350,7 +11350,7 @@
             <a:fld id="{A28CC2B3-15E3-410C-BB77-725CEC6A5D75}" type="datetime1">
               <a:rPr lang="en-US" smtClean="0"/>
               <a:pPr/>
-              <a:t>9/23/2018</a:t>
+              <a:t>9/27/2018</a:t>
             </a:fld>
             <a:endParaRPr dirty="0"/>
           </a:p>
@@ -11657,7 +11657,7 @@
             <a:fld id="{3336C99F-F8B6-42FB-858B-E7EDEE8AB826}" type="datetime1">
               <a:rPr lang="en-US" smtClean="0"/>
               <a:pPr/>
-              <a:t>9/23/2018</a:t>
+              <a:t>9/27/2018</a:t>
             </a:fld>
             <a:endParaRPr dirty="0"/>
           </a:p>
@@ -11864,7 +11864,7 @@
             <a:fld id="{466AED94-84AC-401A-B6E9-114160A7903A}" type="datetime1">
               <a:rPr lang="en-US" smtClean="0"/>
               <a:pPr/>
-              <a:t>9/23/2018</a:t>
+              <a:t>9/27/2018</a:t>
             </a:fld>
             <a:endParaRPr dirty="0"/>
           </a:p>
@@ -11988,7 +11988,7 @@
             <a:fld id="{74126811-2134-4838-96E1-190C5CCB35F0}" type="datetime1">
               <a:rPr lang="en-US" smtClean="0"/>
               <a:pPr/>
-              <a:t>9/23/2018</a:t>
+              <a:t>9/27/2018</a:t>
             </a:fld>
             <a:endParaRPr dirty="0"/>
           </a:p>
@@ -12537,7 +12537,7 @@
             <a:fld id="{15EFF38B-8A2B-4EA0-A1FD-820A0B9A9A5E}" type="datetime1">
               <a:rPr lang="en-US" smtClean="0"/>
               <a:pPr/>
-              <a:t>9/23/2018</a:t>
+              <a:t>9/27/2018</a:t>
             </a:fld>
             <a:endParaRPr lang="en-US" dirty="0"/>
           </a:p>
@@ -12750,7 +12750,7 @@
             <a:fld id="{2F659D8A-3C0B-4AD2-A865-94E1683E2A51}" type="datetime1">
               <a:rPr lang="en-US" smtClean="0"/>
               <a:pPr/>
-              <a:t>9/23/2018</a:t>
+              <a:t>9/27/2018</a:t>
             </a:fld>
             <a:endParaRPr dirty="0"/>
           </a:p>
@@ -13173,7 +13173,7 @@
             <a:fld id="{AFE3C2E1-55D1-4925-B170-F45F4D1313F2}" type="datetime1">
               <a:rPr lang="en-US" smtClean="0"/>
               <a:pPr/>
-              <a:t>9/23/2018</a:t>
+              <a:t>9/27/2018</a:t>
             </a:fld>
             <a:endParaRPr dirty="0"/>
           </a:p>
@@ -13804,7 +13804,7 @@
             <a:fld id="{9C5D32D0-D208-4DC6-B7EA-FBFBAE2CFADD}" type="datetime1">
               <a:rPr lang="en-US" smtClean="0"/>
               <a:pPr/>
-              <a:t>9/23/2018</a:t>
+              <a:t>9/27/2018</a:t>
             </a:fld>
             <a:endParaRPr dirty="0"/>
           </a:p>
@@ -14268,7 +14268,7 @@
             <a:fld id="{D6BF2800-930D-4F78-8132-87DC967E0A01}" type="datetime1">
               <a:rPr lang="en-US" smtClean="0"/>
               <a:pPr/>
-              <a:t>9/23/2018</a:t>
+              <a:t>9/27/2018</a:t>
             </a:fld>
             <a:endParaRPr dirty="0"/>
           </a:p>
@@ -14547,7 +14547,7 @@
             <a:fld id="{F0811F5D-163C-429D-9AB1-46A6E97896BF}" type="datetime1">
               <a:rPr lang="en-US" smtClean="0"/>
               <a:pPr/>
-              <a:t>9/23/2018</a:t>
+              <a:t>9/27/2018</a:t>
             </a:fld>
             <a:endParaRPr dirty="0"/>
           </a:p>
@@ -14817,7 +14817,7 @@
             <a:fld id="{A579B943-AFA1-40BD-AC9F-6D2BBCFED74C}" type="datetime1">
               <a:rPr lang="en-US" smtClean="0"/>
               <a:pPr/>
-              <a:t>9/23/2018</a:t>
+              <a:t>9/27/2018</a:t>
             </a:fld>
             <a:endParaRPr dirty="0"/>
           </a:p>
@@ -15098,7 +15098,7 @@
             <a:fld id="{D6AE09CC-35FF-4FAE-84BA-51028FA8C71A}" type="datetime1">
               <a:rPr lang="en-US" smtClean="0"/>
               <a:pPr/>
-              <a:t>9/23/2018</a:t>
+              <a:t>9/27/2018</a:t>
             </a:fld>
             <a:endParaRPr dirty="0"/>
           </a:p>
@@ -15562,7 +15562,7 @@
             <a:fld id="{FCC121D4-B3C9-471B-8703-25FD84D839ED}" type="datetime1">
               <a:rPr lang="en-US" smtClean="0"/>
               <a:pPr/>
-              <a:t>9/23/2018</a:t>
+              <a:t>9/27/2018</a:t>
             </a:fld>
             <a:endParaRPr dirty="0"/>
           </a:p>
@@ -16167,15 +16167,7 @@
             </a:r>
             <a:r>
               <a:rPr lang="en-US" dirty="0" smtClean="0"/>
-              <a:t>E Business Suit </a:t>
-            </a:r>
-            <a:r>
-              <a:rPr lang="en-US" dirty="0" err="1" smtClean="0"/>
-              <a:t>Integartions</a:t>
-            </a:r>
-            <a:r>
-              <a:rPr lang="en-US" dirty="0" smtClean="0"/>
-              <a:t> to PBSA POS</a:t>
+              <a:t>E Business Suit Integrations to PBSA POS</a:t>
             </a:r>
             <a:endParaRPr lang="en-US" dirty="0"/>
           </a:p>
@@ -16204,7 +16196,10 @@
               <a:rPr lang="en-US" dirty="0" err="1" smtClean="0"/>
               <a:t>Sathosa</a:t>
             </a:r>
-            <a:endParaRPr lang="en-US" dirty="0" smtClean="0"/>
+            <a:r>
+              <a:rPr lang="en-US" dirty="0" smtClean="0"/>
+              <a:t> Limited</a:t>
+            </a:r>
           </a:p>
           <a:p>
             <a:r>
@@ -16219,29 +16214,6 @@
               <a:rPr lang="en-US" dirty="0"/>
               <a:t>(ERP)</a:t>
             </a:r>
-          </a:p>
-        </p:txBody>
-      </p:sp>
-      <p:sp>
-        <p:nvSpPr>
-          <p:cNvPr id="8" name="Footer Placeholder 7"/>
-          <p:cNvSpPr>
-            <a:spLocks noGrp="1"/>
-          </p:cNvSpPr>
-          <p:nvPr>
-            <p:ph type="ftr" sz="quarter" idx="11"/>
-          </p:nvPr>
-        </p:nvSpPr>
-        <p:spPr/>
-        <p:txBody>
-          <a:bodyPr/>
-          <a:lstStyle/>
-          <a:p>
-            <a:r>
-              <a:rPr lang="en-US" dirty="0" smtClean="0"/>
-              <a:t>Use Insert &gt; Header and Footer to Update Confidentiality Requirements</a:t>
-            </a:r>
-            <a:endParaRPr lang="en-US" dirty="0"/>
           </a:p>
         </p:txBody>
       </p:sp>
@@ -16561,7 +16533,12 @@
             <p:ph type="title"/>
           </p:nvPr>
         </p:nvSpPr>
-        <p:spPr/>
+        <p:spPr>
+          <a:xfrm>
+            <a:off x="531151" y="393700"/>
+            <a:ext cx="11125200" cy="889000"/>
+          </a:xfrm>
+        </p:spPr>
         <p:txBody>
           <a:bodyPr/>
           <a:lstStyle/>
@@ -16595,7 +16572,15 @@
             </a:r>
             <a:r>
               <a:rPr lang="en-US" dirty="0" smtClean="0"/>
-              <a:t>from Head Office– Inbound/Outbound 2-way</a:t>
+              <a:t>from Head </a:t>
+            </a:r>
+            <a:r>
+              <a:rPr lang="en-US" dirty="0"/>
+              <a:t>Office - </a:t>
+            </a:r>
+            <a:r>
+              <a:rPr lang="en-US" dirty="0" smtClean="0"/>
+              <a:t>Outbound</a:t>
             </a:r>
             <a:endParaRPr lang="en-US" dirty="0"/>
           </a:p>
@@ -16978,8 +16963,8 @@
         </p:nvSpPr>
         <p:spPr>
           <a:xfrm>
-            <a:off x="7556546" y="1619771"/>
-            <a:ext cx="3567066" cy="3253958"/>
+            <a:off x="7618866" y="1619771"/>
+            <a:ext cx="3490411" cy="3253958"/>
           </a:xfrm>
           <a:custGeom>
             <a:avLst/>
@@ -18185,7 +18170,7 @@
         </p:nvSpPr>
         <p:spPr>
           <a:xfrm>
-            <a:off x="7904459" y="3143772"/>
+            <a:off x="7904459" y="2971800"/>
             <a:ext cx="2833649" cy="369332"/>
           </a:xfrm>
           <a:prstGeom prst="rect">
@@ -18217,16 +18202,7 @@
                 </a:solidFill>
                 <a:latin typeface="Century Gothic" panose="020B0502020202020204" pitchFamily="34" charset="0"/>
               </a:rPr>
-              <a:t>Purchase</a:t>
-            </a:r>
-            <a:r>
-              <a:rPr lang="en-US" sz="2400" dirty="0" smtClean="0">
-                <a:solidFill>
-                  <a:schemeClr val="bg1"/>
-                </a:solidFill>
-                <a:latin typeface="Century Gothic" panose="020B0502020202020204" pitchFamily="34" charset="0"/>
-              </a:rPr>
-              <a:t> Order</a:t>
+              <a:t>Purchase Order</a:t>
             </a:r>
             <a:endParaRPr sz="2399" dirty="0">
               <a:latin typeface="Century Gothic"/>
@@ -18338,7 +18314,7 @@
         </p:nvSpPr>
         <p:spPr>
           <a:xfrm>
-            <a:off x="4476869" y="3255232"/>
+            <a:off x="4513290" y="3255232"/>
             <a:ext cx="3028922" cy="519930"/>
           </a:xfrm>
           <a:custGeom>
@@ -18397,7 +18373,7 @@
         </p:nvSpPr>
         <p:spPr>
           <a:xfrm>
-            <a:off x="4476868" y="3255232"/>
+            <a:off x="4513291" y="3255232"/>
             <a:ext cx="3028921" cy="519930"/>
           </a:xfrm>
           <a:custGeom>
@@ -18458,7 +18434,7 @@
         </p:nvSpPr>
         <p:spPr>
           <a:xfrm>
-            <a:off x="4773637" y="3390679"/>
+            <a:off x="4810058" y="3390679"/>
             <a:ext cx="2512041" cy="230772"/>
           </a:xfrm>
           <a:prstGeom prst="rect">
@@ -18480,7 +18456,7 @@
                 <a:latin typeface="Century Gothic"/>
                 <a:cs typeface="Century Gothic"/>
               </a:rPr>
-              <a:t>Out bound</a:t>
+              <a:t>In bound</a:t>
             </a:r>
             <a:endParaRPr sz="1500" dirty="0">
               <a:latin typeface="Century Gothic"/>
@@ -18714,8 +18690,8 @@
         </p:nvSpPr>
         <p:spPr>
           <a:xfrm>
-            <a:off x="8547146" y="3612640"/>
-            <a:ext cx="1557087" cy="369332"/>
+            <a:off x="7904459" y="3440668"/>
+            <a:ext cx="2842461" cy="369332"/>
           </a:xfrm>
           <a:prstGeom prst="rect">
             <a:avLst/>
@@ -18738,7 +18714,7 @@
           </a:bodyPr>
           <a:lstStyle/>
           <a:p>
-            <a:pPr marL="409452"/>
+            <a:pPr marL="409452" algn="ctr"/>
             <a:r>
               <a:rPr lang="en-US" sz="2400" dirty="0" smtClean="0">
                 <a:solidFill>
@@ -18746,7 +18722,7 @@
                 </a:solidFill>
                 <a:latin typeface="Century Gothic" panose="020B0502020202020204" pitchFamily="34" charset="0"/>
               </a:rPr>
-              <a:t>GRN</a:t>
+              <a:t>AP Debit Memo</a:t>
             </a:r>
             <a:endParaRPr lang="en-US" sz="2399" dirty="0">
               <a:latin typeface="Century Gothic"/>
@@ -20019,7 +19995,7 @@
         </p:nvSpPr>
         <p:spPr>
           <a:xfrm>
-            <a:off x="8008363" y="3747822"/>
+            <a:off x="8008363" y="3733800"/>
             <a:ext cx="2185101" cy="369108"/>
           </a:xfrm>
           <a:prstGeom prst="rect">
@@ -20196,7 +20172,7 @@
                 <a:latin typeface="Century Gothic"/>
                 <a:cs typeface="Century Gothic"/>
               </a:rPr>
-              <a:t>In bound</a:t>
+              <a:t>Out bound</a:t>
             </a:r>
             <a:endParaRPr sz="1500" dirty="0">
               <a:latin typeface="Century Gothic"/>
@@ -20242,8 +20218,8 @@
         </p:nvSpPr>
         <p:spPr>
           <a:xfrm>
-            <a:off x="1352322" y="3636299"/>
-            <a:ext cx="2387036" cy="413488"/>
+            <a:off x="1186318" y="3636299"/>
+            <a:ext cx="2719044" cy="413488"/>
           </a:xfrm>
           <a:custGeom>
             <a:avLst/>
@@ -20343,8 +20319,8 @@
         </p:nvSpPr>
         <p:spPr>
           <a:xfrm>
-            <a:off x="1369501" y="4093499"/>
-            <a:ext cx="2387036" cy="468963"/>
+            <a:off x="1203497" y="4093499"/>
+            <a:ext cx="2719044" cy="468963"/>
           </a:xfrm>
           <a:custGeom>
             <a:avLst/>
@@ -20444,8 +20420,8 @@
         </p:nvSpPr>
         <p:spPr>
           <a:xfrm>
-            <a:off x="1363259" y="3179099"/>
-            <a:ext cx="2361585" cy="410709"/>
+            <a:off x="1199025" y="3179099"/>
+            <a:ext cx="2690054" cy="410709"/>
           </a:xfrm>
           <a:custGeom>
             <a:avLst/>
@@ -20731,7 +20707,7 @@
         </p:nvSpPr>
         <p:spPr>
           <a:xfrm>
-            <a:off x="7827252" y="990599"/>
+            <a:off x="7937546" y="990599"/>
             <a:ext cx="3567066" cy="5201173"/>
           </a:xfrm>
           <a:custGeom>
@@ -21021,7 +20997,7 @@
         </p:nvSpPr>
         <p:spPr>
           <a:xfrm>
-            <a:off x="7872457" y="971027"/>
+            <a:off x="7982750" y="971027"/>
             <a:ext cx="3521862" cy="5220745"/>
           </a:xfrm>
           <a:custGeom>
@@ -21938,7 +21914,7 @@
         </p:nvSpPr>
         <p:spPr>
           <a:xfrm>
-            <a:off x="8271125" y="2701359"/>
+            <a:off x="8271125" y="2665020"/>
             <a:ext cx="2833649" cy="369332"/>
           </a:xfrm>
           <a:prstGeom prst="rect">
@@ -22083,7 +22059,7 @@
         </p:nvSpPr>
         <p:spPr>
           <a:xfrm>
-            <a:off x="1878602" y="2209800"/>
+            <a:off x="1878602" y="2100616"/>
             <a:ext cx="2361585" cy="406070"/>
           </a:xfrm>
           <a:custGeom>
@@ -22298,7 +22274,7 @@
                 <a:latin typeface="Century Gothic"/>
                 <a:cs typeface="Century Gothic"/>
               </a:rPr>
-              <a:t>In bound</a:t>
+              <a:t>Out bound</a:t>
             </a:r>
             <a:endParaRPr sz="1500" dirty="0">
               <a:latin typeface="Century Gothic"/>
@@ -22315,7 +22291,7 @@
         </p:nvSpPr>
         <p:spPr>
           <a:xfrm>
-            <a:off x="4843535" y="2626060"/>
+            <a:off x="4857183" y="3761096"/>
             <a:ext cx="3028922" cy="519930"/>
           </a:xfrm>
           <a:custGeom>
@@ -22374,7 +22350,7 @@
         </p:nvSpPr>
         <p:spPr>
           <a:xfrm>
-            <a:off x="4843534" y="2626060"/>
+            <a:off x="4843534" y="2590800"/>
             <a:ext cx="3028921" cy="519930"/>
           </a:xfrm>
           <a:custGeom>
@@ -22435,7 +22411,7 @@
         </p:nvSpPr>
         <p:spPr>
           <a:xfrm>
-            <a:off x="5169331" y="2790535"/>
+            <a:off x="5196219" y="3897854"/>
             <a:ext cx="2512041" cy="230772"/>
           </a:xfrm>
           <a:prstGeom prst="rect">
@@ -22457,7 +22433,7 @@
                 <a:latin typeface="Century Gothic"/>
                 <a:cs typeface="Century Gothic"/>
               </a:rPr>
-              <a:t>Out bound</a:t>
+              <a:t>In bound</a:t>
             </a:r>
             <a:endParaRPr sz="1500" dirty="0">
               <a:latin typeface="Century Gothic"/>
@@ -22503,7 +22479,7 @@
         </p:nvSpPr>
         <p:spPr>
           <a:xfrm>
-            <a:off x="1889513" y="2667000"/>
+            <a:off x="1889513" y="2557816"/>
             <a:ext cx="2361585" cy="406070"/>
           </a:xfrm>
           <a:custGeom>
@@ -22602,7 +22578,7 @@
         </p:nvSpPr>
         <p:spPr>
           <a:xfrm>
-            <a:off x="1885135" y="3138714"/>
+            <a:off x="1883091" y="3790530"/>
             <a:ext cx="2355052" cy="468963"/>
           </a:xfrm>
           <a:custGeom>
@@ -23137,7 +23113,7 @@
         </p:nvSpPr>
         <p:spPr>
           <a:xfrm>
-            <a:off x="1903546" y="3672114"/>
+            <a:off x="1903161" y="3002139"/>
             <a:ext cx="2318550" cy="468963"/>
           </a:xfrm>
           <a:custGeom>
@@ -23220,6 +23196,162 @@
                 <a:schemeClr val="bg1"/>
               </a:solidFill>
               <a:latin typeface="Century Gothic" panose="020B0502020202020204" pitchFamily="34" charset="0"/>
+            </a:endParaRPr>
+          </a:p>
+        </p:txBody>
+      </p:sp>
+      <p:sp>
+        <p:nvSpPr>
+          <p:cNvPr id="27" name="object 41"/>
+          <p:cNvSpPr/>
+          <p:nvPr/>
+        </p:nvSpPr>
+        <p:spPr>
+          <a:xfrm>
+            <a:off x="4843719" y="2604270"/>
+            <a:ext cx="3028922" cy="519930"/>
+          </a:xfrm>
+          <a:custGeom>
+            <a:avLst/>
+            <a:gdLst/>
+            <a:ahLst/>
+            <a:cxnLst/>
+            <a:rect l="l" t="t" r="r" b="b"/>
+            <a:pathLst>
+              <a:path w="3295015" h="520064">
+                <a:moveTo>
+                  <a:pt x="3035046" y="0"/>
+                </a:moveTo>
+                <a:lnTo>
+                  <a:pt x="3035046" y="129921"/>
+                </a:lnTo>
+                <a:lnTo>
+                  <a:pt x="0" y="129921"/>
+                </a:lnTo>
+                <a:lnTo>
+                  <a:pt x="0" y="389763"/>
+                </a:lnTo>
+                <a:lnTo>
+                  <a:pt x="3035046" y="389763"/>
+                </a:lnTo>
+                <a:lnTo>
+                  <a:pt x="3035046" y="519684"/>
+                </a:lnTo>
+                <a:lnTo>
+                  <a:pt x="3294887" y="259842"/>
+                </a:lnTo>
+                <a:lnTo>
+                  <a:pt x="3035046" y="0"/>
+                </a:lnTo>
+                <a:close/>
+              </a:path>
+            </a:pathLst>
+          </a:custGeom>
+          <a:solidFill>
+            <a:srgbClr val="6C8B1A"/>
+          </a:solidFill>
+        </p:spPr>
+        <p:txBody>
+          <a:bodyPr wrap="square" lIns="0" tIns="0" rIns="0" bIns="0" rtlCol="0"/>
+          <a:lstStyle/>
+          <a:p>
+            <a:endParaRPr sz="1799"/>
+          </a:p>
+        </p:txBody>
+      </p:sp>
+      <p:sp>
+        <p:nvSpPr>
+          <p:cNvPr id="28" name="object 43"/>
+          <p:cNvSpPr txBox="1"/>
+          <p:nvPr/>
+        </p:nvSpPr>
+        <p:spPr>
+          <a:xfrm>
+            <a:off x="5169515" y="2741449"/>
+            <a:ext cx="2512041" cy="230772"/>
+          </a:xfrm>
+          <a:prstGeom prst="rect">
+            <a:avLst/>
+          </a:prstGeom>
+        </p:spPr>
+        <p:txBody>
+          <a:bodyPr vert="horz" wrap="square" lIns="0" tIns="0" rIns="0" bIns="0" rtlCol="0">
+            <a:spAutoFit/>
+          </a:bodyPr>
+          <a:lstStyle/>
+          <a:p>
+            <a:pPr marL="12696" algn="ctr"/>
+            <a:r>
+              <a:rPr lang="en-US" sz="1500" b="1" spc="-10" dirty="0" smtClean="0">
+                <a:solidFill>
+                  <a:srgbClr val="FFFFFF"/>
+                </a:solidFill>
+                <a:latin typeface="Century Gothic"/>
+                <a:cs typeface="Century Gothic"/>
+              </a:rPr>
+              <a:t>In bound</a:t>
+            </a:r>
+            <a:endParaRPr sz="1500" dirty="0">
+              <a:latin typeface="Century Gothic"/>
+              <a:cs typeface="Century Gothic"/>
+            </a:endParaRPr>
+          </a:p>
+        </p:txBody>
+      </p:sp>
+      <p:sp>
+        <p:nvSpPr>
+          <p:cNvPr id="29" name="object 8"/>
+          <p:cNvSpPr txBox="1"/>
+          <p:nvPr/>
+        </p:nvSpPr>
+        <p:spPr>
+          <a:xfrm>
+            <a:off x="8124172" y="3817826"/>
+            <a:ext cx="3276944" cy="369332"/>
+          </a:xfrm>
+          <a:prstGeom prst="rect">
+            <a:avLst/>
+          </a:prstGeom>
+          <a:solidFill>
+            <a:schemeClr val="accent3">
+              <a:lumMod val="60000"/>
+              <a:lumOff val="40000"/>
+            </a:schemeClr>
+          </a:solidFill>
+          <a:ln w="12192">
+            <a:solidFill>
+              <a:srgbClr val="3A3A3A"/>
+            </a:solidFill>
+          </a:ln>
+        </p:spPr>
+        <p:txBody>
+          <a:bodyPr vert="horz" wrap="square" lIns="0" tIns="0" rIns="0" bIns="0" rtlCol="0">
+            <a:spAutoFit/>
+          </a:bodyPr>
+          <a:lstStyle/>
+          <a:p>
+            <a:pPr marL="409452" algn="ctr"/>
+            <a:r>
+              <a:rPr lang="en-US" sz="2400" dirty="0" smtClean="0">
+                <a:solidFill>
+                  <a:schemeClr val="bg1"/>
+                </a:solidFill>
+                <a:latin typeface="Century Gothic" panose="020B0502020202020204" pitchFamily="34" charset="0"/>
+              </a:rPr>
+              <a:t>Move </a:t>
+            </a:r>
+            <a:r>
+              <a:rPr lang="en-US" sz="2400" dirty="0" smtClean="0">
+                <a:solidFill>
+                  <a:schemeClr val="bg1"/>
+                </a:solidFill>
+                <a:latin typeface="Century Gothic" panose="020B0502020202020204" pitchFamily="34" charset="0"/>
+              </a:rPr>
+              <a:t>Order/ GRN</a:t>
+            </a:r>
+            <a:endParaRPr sz="2399" dirty="0">
+              <a:latin typeface="Century Gothic"/>
+              <a:cs typeface="Century Gothic"/>
             </a:endParaRPr>
           </a:p>
         </p:txBody>
